--- a/Session05-v1.pptx
+++ b/Session05-v1.pptx
@@ -246,7 +246,7 @@
           <a:p>
             <a:fld id="{231104BD-B345-B647-8750-DEFC8468D1D6}" type="datetimeFigureOut">
               <a:rPr lang="en-US" smtClean="0"/>
-              <a:t>4/3/20</a:t>
+              <a:t>4/6/20</a:t>
             </a:fld>
             <a:endParaRPr lang="en-US"/>
           </a:p>
@@ -416,7 +416,7 @@
           <a:p>
             <a:fld id="{231104BD-B345-B647-8750-DEFC8468D1D6}" type="datetimeFigureOut">
               <a:rPr lang="en-US" smtClean="0"/>
-              <a:t>4/3/20</a:t>
+              <a:t>4/6/20</a:t>
             </a:fld>
             <a:endParaRPr lang="en-US"/>
           </a:p>
@@ -596,7 +596,7 @@
           <a:p>
             <a:fld id="{231104BD-B345-B647-8750-DEFC8468D1D6}" type="datetimeFigureOut">
               <a:rPr lang="en-US" smtClean="0"/>
-              <a:t>4/3/20</a:t>
+              <a:t>4/6/20</a:t>
             </a:fld>
             <a:endParaRPr lang="en-US"/>
           </a:p>
@@ -4903,7 +4903,7 @@
           <a:p>
             <a:fld id="{231104BD-B345-B647-8750-DEFC8468D1D6}" type="datetimeFigureOut">
               <a:rPr lang="en-US" smtClean="0"/>
-              <a:t>4/3/20</a:t>
+              <a:t>4/6/20</a:t>
             </a:fld>
             <a:endParaRPr lang="en-US"/>
           </a:p>
@@ -9346,7 +9346,7 @@
           <a:p>
             <a:fld id="{231104BD-B345-B647-8750-DEFC8468D1D6}" type="datetimeFigureOut">
               <a:rPr lang="en-US" smtClean="0"/>
-              <a:t>4/3/20</a:t>
+              <a:t>4/6/20</a:t>
             </a:fld>
             <a:endParaRPr lang="en-US"/>
           </a:p>
@@ -9578,7 +9578,7 @@
           <a:p>
             <a:fld id="{231104BD-B345-B647-8750-DEFC8468D1D6}" type="datetimeFigureOut">
               <a:rPr lang="en-US" smtClean="0"/>
-              <a:t>4/3/20</a:t>
+              <a:t>4/6/20</a:t>
             </a:fld>
             <a:endParaRPr lang="en-US"/>
           </a:p>
@@ -9945,7 +9945,7 @@
           <a:p>
             <a:fld id="{231104BD-B345-B647-8750-DEFC8468D1D6}" type="datetimeFigureOut">
               <a:rPr lang="en-US" smtClean="0"/>
-              <a:t>4/3/20</a:t>
+              <a:t>4/6/20</a:t>
             </a:fld>
             <a:endParaRPr lang="en-US"/>
           </a:p>
@@ -10063,7 +10063,7 @@
           <a:p>
             <a:fld id="{231104BD-B345-B647-8750-DEFC8468D1D6}" type="datetimeFigureOut">
               <a:rPr lang="en-US" smtClean="0"/>
-              <a:t>4/3/20</a:t>
+              <a:t>4/6/20</a:t>
             </a:fld>
             <a:endParaRPr lang="en-US"/>
           </a:p>
@@ -10158,7 +10158,7 @@
           <a:p>
             <a:fld id="{231104BD-B345-B647-8750-DEFC8468D1D6}" type="datetimeFigureOut">
               <a:rPr lang="en-US" smtClean="0"/>
-              <a:t>4/3/20</a:t>
+              <a:t>4/6/20</a:t>
             </a:fld>
             <a:endParaRPr lang="en-US"/>
           </a:p>
@@ -10435,7 +10435,7 @@
           <a:p>
             <a:fld id="{231104BD-B345-B647-8750-DEFC8468D1D6}" type="datetimeFigureOut">
               <a:rPr lang="en-US" smtClean="0"/>
-              <a:t>4/3/20</a:t>
+              <a:t>4/6/20</a:t>
             </a:fld>
             <a:endParaRPr lang="en-US"/>
           </a:p>
@@ -10692,7 +10692,7 @@
           <a:p>
             <a:fld id="{231104BD-B345-B647-8750-DEFC8468D1D6}" type="datetimeFigureOut">
               <a:rPr lang="en-US" smtClean="0"/>
-              <a:t>4/3/20</a:t>
+              <a:t>4/6/20</a:t>
             </a:fld>
             <a:endParaRPr lang="en-US"/>
           </a:p>
@@ -10905,7 +10905,7 @@
           <a:p>
             <a:fld id="{231104BD-B345-B647-8750-DEFC8468D1D6}" type="datetimeFigureOut">
               <a:rPr lang="en-US" smtClean="0"/>
-              <a:t>4/3/20</a:t>
+              <a:t>4/6/20</a:t>
             </a:fld>
             <a:endParaRPr lang="en-US"/>
           </a:p>
@@ -11582,8 +11582,14 @@
           <a:lstStyle/>
           <a:p>
             <a:r>
-              <a:rPr lang="en-US" dirty="0"/>
-              <a:t>April Workshop Serial 5</a:t>
+              <a:rPr lang="en-US" b="1" dirty="0"/>
+              <a:t>Jian Zhang</a:t>
+            </a:r>
+          </a:p>
+          <a:p>
+            <a:r>
+              <a:rPr lang="en-US" b="1"/>
+              <a:t>jamezhang@amazon.com</a:t>
             </a:r>
             <a:endParaRPr lang="en-US" b="1" dirty="0"/>
           </a:p>
